--- a/7 - Offensive Security Tactics for Linux Professionals - Linux Restricted Shell Escapes.pptx
+++ b/7 - Offensive Security Tactics for Linux Professionals - Linux Restricted Shell Escapes.pptx
@@ -5,7 +5,7 @@
     <p:sldMasterId id="2147483686" r:id="rId1"/>
   </p:sldMasterIdLst>
   <p:notesMasterIdLst>
-    <p:notesMasterId r:id="rId20"/>
+    <p:notesMasterId r:id="rId21"/>
   </p:notesMasterIdLst>
   <p:sldIdLst>
     <p:sldId id="256" r:id="rId2"/>
@@ -25,7 +25,8 @@
     <p:sldId id="260" r:id="rId16"/>
     <p:sldId id="274" r:id="rId17"/>
     <p:sldId id="276" r:id="rId18"/>
-    <p:sldId id="277" r:id="rId19"/>
+    <p:sldId id="278" r:id="rId19"/>
+    <p:sldId id="277" r:id="rId20"/>
   </p:sldIdLst>
   <p:sldSz cx="12192000" cy="6858000"/>
   <p:notesSz cx="6858000" cy="9144000"/>
@@ -214,7 +215,7 @@
           <a:p>
             <a:fld id="{62337A15-E85D-4C6F-8182-D6D033CC6DCD}" type="datetimeFigureOut">
               <a:rPr lang="en-GB" smtClean="0"/>
-              <a:t>07/04/2022</a:t>
+              <a:t>10/04/2022</a:t>
             </a:fld>
             <a:endParaRPr lang="en-GB"/>
           </a:p>
@@ -1140,6 +1141,90 @@
 </p:notes>
 </file>
 
+<file path=ppt/notesSlides/notesSlide8.xml><?xml version="1.0" encoding="utf-8"?>
+<p:notes xmlns:a="http://schemas.openxmlformats.org/drawingml/2006/main" xmlns:r="http://schemas.openxmlformats.org/officeDocument/2006/relationships" xmlns:p="http://schemas.openxmlformats.org/presentationml/2006/main">
+  <p:cSld>
+    <p:spTree>
+      <p:nvGrpSpPr>
+        <p:cNvPr id="1" name=""/>
+        <p:cNvGrpSpPr/>
+        <p:nvPr/>
+      </p:nvGrpSpPr>
+      <p:grpSpPr>
+        <a:xfrm>
+          <a:off x="0" y="0"/>
+          <a:ext cx="0" cy="0"/>
+          <a:chOff x="0" y="0"/>
+          <a:chExt cx="0" cy="0"/>
+        </a:xfrm>
+      </p:grpSpPr>
+      <p:sp>
+        <p:nvSpPr>
+          <p:cNvPr id="2" name="Slide Image Placeholder 1"/>
+          <p:cNvSpPr>
+            <a:spLocks noGrp="1" noRot="1" noChangeAspect="1"/>
+          </p:cNvSpPr>
+          <p:nvPr>
+            <p:ph type="sldImg"/>
+          </p:nvPr>
+        </p:nvSpPr>
+        <p:spPr/>
+      </p:sp>
+      <p:sp>
+        <p:nvSpPr>
+          <p:cNvPr id="3" name="Notes Placeholder 2"/>
+          <p:cNvSpPr>
+            <a:spLocks noGrp="1"/>
+          </p:cNvSpPr>
+          <p:nvPr>
+            <p:ph type="body" idx="1"/>
+          </p:nvPr>
+        </p:nvSpPr>
+        <p:spPr/>
+        <p:txBody>
+          <a:bodyPr/>
+          <a:lstStyle/>
+          <a:p>
+            <a:endParaRPr lang="en-GB" dirty="0"/>
+          </a:p>
+        </p:txBody>
+      </p:sp>
+      <p:sp>
+        <p:nvSpPr>
+          <p:cNvPr id="4" name="Slide Number Placeholder 3"/>
+          <p:cNvSpPr>
+            <a:spLocks noGrp="1"/>
+          </p:cNvSpPr>
+          <p:nvPr>
+            <p:ph type="sldNum" sz="quarter" idx="5"/>
+          </p:nvPr>
+        </p:nvSpPr>
+        <p:spPr/>
+        <p:txBody>
+          <a:bodyPr/>
+          <a:lstStyle/>
+          <a:p>
+            <a:fld id="{72F69CCC-2D01-4A86-A9A5-5CB8861A15B1}" type="slidenum">
+              <a:rPr lang="en-GB" smtClean="0"/>
+              <a:t>18</a:t>
+            </a:fld>
+            <a:endParaRPr lang="en-GB"/>
+          </a:p>
+        </p:txBody>
+      </p:sp>
+    </p:spTree>
+    <p:extLst>
+      <p:ext uri="{BB962C8B-B14F-4D97-AF65-F5344CB8AC3E}">
+        <p14:creationId xmlns:p14="http://schemas.microsoft.com/office/powerpoint/2010/main" val="2216057158"/>
+      </p:ext>
+    </p:extLst>
+  </p:cSld>
+  <p:clrMapOvr>
+    <a:masterClrMapping/>
+  </p:clrMapOvr>
+</p:notes>
+</file>
+
 <file path=ppt/slideLayouts/slideLayout1.xml><?xml version="1.0" encoding="utf-8"?>
 <p:sldLayout xmlns:a="http://schemas.openxmlformats.org/drawingml/2006/main" xmlns:r="http://schemas.openxmlformats.org/officeDocument/2006/relationships" xmlns:p="http://schemas.openxmlformats.org/presentationml/2006/main" type="title" preserve="1">
   <p:cSld name="Title Slide">
@@ -1291,7 +1376,7 @@
           <a:p>
             <a:fld id="{2F3E8B1C-86EF-43CF-8304-249481088644}" type="datetimeFigureOut">
               <a:rPr lang="en-US" smtClean="0"/>
-              <a:t>4/7/2022</a:t>
+              <a:t>4/10/2022</a:t>
             </a:fld>
             <a:endParaRPr lang="en-US"/>
           </a:p>
@@ -1489,7 +1574,7 @@
           <a:p>
             <a:fld id="{2F3E8B1C-86EF-43CF-8304-249481088644}" type="datetimeFigureOut">
               <a:rPr lang="en-US" smtClean="0"/>
-              <a:t>4/7/2022</a:t>
+              <a:t>4/10/2022</a:t>
             </a:fld>
             <a:endParaRPr lang="en-US"/>
           </a:p>
@@ -1697,7 +1782,7 @@
           <a:p>
             <a:fld id="{2F3E8B1C-86EF-43CF-8304-249481088644}" type="datetimeFigureOut">
               <a:rPr lang="en-US" smtClean="0"/>
-              <a:t>4/7/2022</a:t>
+              <a:t>4/10/2022</a:t>
             </a:fld>
             <a:endParaRPr lang="en-US"/>
           </a:p>
@@ -1895,7 +1980,7 @@
           <a:p>
             <a:fld id="{2F3E8B1C-86EF-43CF-8304-249481088644}" type="datetimeFigureOut">
               <a:rPr lang="en-US" smtClean="0"/>
-              <a:t>4/7/2022</a:t>
+              <a:t>4/10/2022</a:t>
             </a:fld>
             <a:endParaRPr lang="en-US"/>
           </a:p>
@@ -2170,7 +2255,7 @@
           <a:p>
             <a:fld id="{2F3E8B1C-86EF-43CF-8304-249481088644}" type="datetimeFigureOut">
               <a:rPr lang="en-US" smtClean="0"/>
-              <a:t>4/7/2022</a:t>
+              <a:t>4/10/2022</a:t>
             </a:fld>
             <a:endParaRPr lang="en-US"/>
           </a:p>
@@ -2440,7 +2525,7 @@
           <a:p>
             <a:fld id="{2F3E8B1C-86EF-43CF-8304-249481088644}" type="datetimeFigureOut">
               <a:rPr lang="en-US" smtClean="0"/>
-              <a:t>4/7/2022</a:t>
+              <a:t>4/10/2022</a:t>
             </a:fld>
             <a:endParaRPr lang="en-US"/>
           </a:p>
@@ -2860,7 +2945,7 @@
           <a:p>
             <a:fld id="{2F3E8B1C-86EF-43CF-8304-249481088644}" type="datetimeFigureOut">
               <a:rPr lang="en-US" smtClean="0"/>
-              <a:t>4/7/2022</a:t>
+              <a:t>4/10/2022</a:t>
             </a:fld>
             <a:endParaRPr lang="en-US"/>
           </a:p>
@@ -3001,7 +3086,7 @@
           <a:p>
             <a:fld id="{2F3E8B1C-86EF-43CF-8304-249481088644}" type="datetimeFigureOut">
               <a:rPr lang="en-US" smtClean="0"/>
-              <a:t>4/7/2022</a:t>
+              <a:t>4/10/2022</a:t>
             </a:fld>
             <a:endParaRPr lang="en-US"/>
           </a:p>
@@ -3114,7 +3199,7 @@
           <a:p>
             <a:fld id="{2F3E8B1C-86EF-43CF-8304-249481088644}" type="datetimeFigureOut">
               <a:rPr lang="en-US" smtClean="0"/>
-              <a:t>4/7/2022</a:t>
+              <a:t>4/10/2022</a:t>
             </a:fld>
             <a:endParaRPr lang="en-US"/>
           </a:p>
@@ -3425,7 +3510,7 @@
           <a:p>
             <a:fld id="{2F3E8B1C-86EF-43CF-8304-249481088644}" type="datetimeFigureOut">
               <a:rPr lang="en-US" smtClean="0"/>
-              <a:t>4/7/2022</a:t>
+              <a:t>4/10/2022</a:t>
             </a:fld>
             <a:endParaRPr lang="en-US"/>
           </a:p>
@@ -3713,7 +3798,7 @@
           <a:p>
             <a:fld id="{2F3E8B1C-86EF-43CF-8304-249481088644}" type="datetimeFigureOut">
               <a:rPr lang="en-US" smtClean="0"/>
-              <a:t>4/7/2022</a:t>
+              <a:t>4/10/2022</a:t>
             </a:fld>
             <a:endParaRPr lang="en-US"/>
           </a:p>
@@ -3954,7 +4039,7 @@
             <a:fld id="{2F3E8B1C-86EF-43CF-8304-249481088644}" type="datetimeFigureOut">
               <a:rPr lang="en-US" smtClean="0"/>
               <a:pPr/>
-              <a:t>4/7/2022</a:t>
+              <a:t>4/10/2022</a:t>
             </a:fld>
             <a:endParaRPr lang="en-US" dirty="0"/>
           </a:p>
@@ -6728,6 +6813,357 @@
 </file>
 
 <file path=ppt/slides/slide18.xml><?xml version="1.0" encoding="utf-8"?>
+<p:sld xmlns:a="http://schemas.openxmlformats.org/drawingml/2006/main" xmlns:r="http://schemas.openxmlformats.org/officeDocument/2006/relationships" xmlns:p="http://schemas.openxmlformats.org/presentationml/2006/main">
+  <p:cSld>
+    <p:bg>
+      <p:bgPr>
+        <a:solidFill>
+          <a:schemeClr val="bg1"/>
+        </a:solidFill>
+        <a:effectLst/>
+      </p:bgPr>
+    </p:bg>
+    <p:spTree>
+      <p:nvGrpSpPr>
+        <p:cNvPr id="1" name=""/>
+        <p:cNvGrpSpPr/>
+        <p:nvPr/>
+      </p:nvGrpSpPr>
+      <p:grpSpPr>
+        <a:xfrm>
+          <a:off x="0" y="0"/>
+          <a:ext cx="0" cy="0"/>
+          <a:chOff x="0" y="0"/>
+          <a:chExt cx="0" cy="0"/>
+        </a:xfrm>
+      </p:grpSpPr>
+      <p:cxnSp>
+        <p:nvCxnSpPr>
+          <p:cNvPr id="71" name="Straight Connector 70">
+            <a:extLst>
+              <a:ext uri="{FF2B5EF4-FFF2-40B4-BE49-F238E27FC236}">
+                <a16:creationId xmlns:a16="http://schemas.microsoft.com/office/drawing/2014/main" id="{F64F9B95-9045-48D2-B9F3-2927E98F54AA}"/>
+              </a:ext>
+              <a:ext uri="{C183D7F6-B498-43B3-948B-1728B52AA6E4}">
+                <adec:decorative xmlns:adec="http://schemas.microsoft.com/office/drawing/2017/decorative" val="1"/>
+              </a:ext>
+            </a:extLst>
+          </p:cNvPr>
+          <p:cNvCxnSpPr>
+            <a:cxnSpLocks noGrp="1" noRot="1" noChangeAspect="1" noMove="1" noResize="1" noEditPoints="1" noAdjustHandles="1" noChangeArrowheads="1" noChangeShapeType="1"/>
+          </p:cNvCxnSpPr>
+          <p:nvPr>
+            <p:extLst>
+              <p:ext uri="{386F3935-93C4-4BCD-93E2-E3B085C9AB24}">
+                <p16:designElem xmlns:p16="http://schemas.microsoft.com/office/powerpoint/2015/main" val="1"/>
+              </p:ext>
+            </p:extLst>
+          </p:nvPr>
+        </p:nvCxnSpPr>
+        <p:spPr>
+          <a:xfrm>
+            <a:off x="800100" y="723900"/>
+            <a:ext cx="10591800" cy="0"/>
+          </a:xfrm>
+          <a:prstGeom prst="line">
+            <a:avLst/>
+          </a:prstGeom>
+          <a:ln w="44450">
+            <a:solidFill>
+              <a:schemeClr val="tx1"/>
+            </a:solidFill>
+          </a:ln>
+        </p:spPr>
+        <p:style>
+          <a:lnRef idx="1">
+            <a:schemeClr val="accent1"/>
+          </a:lnRef>
+          <a:fillRef idx="0">
+            <a:schemeClr val="accent1"/>
+          </a:fillRef>
+          <a:effectRef idx="0">
+            <a:schemeClr val="accent1"/>
+          </a:effectRef>
+          <a:fontRef idx="minor">
+            <a:schemeClr val="tx1"/>
+          </a:fontRef>
+        </p:style>
+      </p:cxnSp>
+      <p:cxnSp>
+        <p:nvCxnSpPr>
+          <p:cNvPr id="73" name="Straight Connector 72">
+            <a:extLst>
+              <a:ext uri="{FF2B5EF4-FFF2-40B4-BE49-F238E27FC236}">
+                <a16:creationId xmlns:a16="http://schemas.microsoft.com/office/drawing/2014/main" id="{085AA86F-6A4D-4BCB-A045-D992CDC2959B}"/>
+              </a:ext>
+              <a:ext uri="{C183D7F6-B498-43B3-948B-1728B52AA6E4}">
+                <adec:decorative xmlns:adec="http://schemas.microsoft.com/office/drawing/2017/decorative" val="1"/>
+              </a:ext>
+            </a:extLst>
+          </p:cNvPr>
+          <p:cNvCxnSpPr>
+            <a:cxnSpLocks noGrp="1" noRot="1" noChangeAspect="1" noMove="1" noResize="1" noEditPoints="1" noAdjustHandles="1" noChangeArrowheads="1" noChangeShapeType="1"/>
+          </p:cNvCxnSpPr>
+          <p:nvPr>
+            <p:extLst>
+              <p:ext uri="{386F3935-93C4-4BCD-93E2-E3B085C9AB24}">
+                <p16:designElem xmlns:p16="http://schemas.microsoft.com/office/powerpoint/2015/main" val="1"/>
+              </p:ext>
+            </p:extLst>
+          </p:nvPr>
+        </p:nvCxnSpPr>
+        <p:spPr>
+          <a:xfrm>
+            <a:off x="800100" y="6142781"/>
+            <a:ext cx="10591800" cy="0"/>
+          </a:xfrm>
+          <a:prstGeom prst="line">
+            <a:avLst/>
+          </a:prstGeom>
+          <a:ln w="12700">
+            <a:solidFill>
+              <a:schemeClr val="tx1"/>
+            </a:solidFill>
+          </a:ln>
+        </p:spPr>
+        <p:style>
+          <a:lnRef idx="1">
+            <a:schemeClr val="accent1"/>
+          </a:lnRef>
+          <a:fillRef idx="0">
+            <a:schemeClr val="accent1"/>
+          </a:fillRef>
+          <a:effectRef idx="0">
+            <a:schemeClr val="accent1"/>
+          </a:effectRef>
+          <a:fontRef idx="minor">
+            <a:schemeClr val="tx1"/>
+          </a:fontRef>
+        </p:style>
+      </p:cxnSp>
+      <p:sp useBgFill="1">
+        <p:nvSpPr>
+          <p:cNvPr id="1028" name="Rectangle 74">
+            <a:extLst>
+              <a:ext uri="{FF2B5EF4-FFF2-40B4-BE49-F238E27FC236}">
+                <a16:creationId xmlns:a16="http://schemas.microsoft.com/office/drawing/2014/main" id="{33E93247-6229-44AB-A550-739E971E690B}"/>
+              </a:ext>
+              <a:ext uri="{C183D7F6-B498-43B3-948B-1728B52AA6E4}">
+                <adec:decorative xmlns:adec="http://schemas.microsoft.com/office/drawing/2017/decorative" val="1"/>
+              </a:ext>
+            </a:extLst>
+          </p:cNvPr>
+          <p:cNvSpPr>
+            <a:spLocks noGrp="1" noRot="1" noChangeAspect="1" noMove="1" noResize="1" noEditPoints="1" noAdjustHandles="1" noChangeArrowheads="1" noChangeShapeType="1" noTextEdit="1"/>
+          </p:cNvSpPr>
+          <p:nvPr>
+            <p:extLst>
+              <p:ext uri="{386F3935-93C4-4BCD-93E2-E3B085C9AB24}">
+                <p16:designElem xmlns:p16="http://schemas.microsoft.com/office/powerpoint/2015/main" val="1"/>
+              </p:ext>
+            </p:extLst>
+          </p:nvPr>
+        </p:nvSpPr>
+        <p:spPr>
+          <a:xfrm>
+            <a:off x="0" y="0"/>
+            <a:ext cx="12192000" cy="6858000"/>
+          </a:xfrm>
+          <a:prstGeom prst="rect">
+            <a:avLst/>
+          </a:prstGeom>
+          <a:ln w="12700" cap="flat" cmpd="sng" algn="ctr">
+            <a:noFill/>
+            <a:prstDash val="solid"/>
+            <a:miter lim="800000"/>
+          </a:ln>
+          <a:effectLst/>
+          <a:extLst>
+            <a:ext uri="{91240B29-F687-4F45-9708-019B960494DF}">
+              <a14:hiddenLine xmlns:a14="http://schemas.microsoft.com/office/drawing/2010/main" w="12700" cap="flat" cmpd="sng" algn="ctr">
+                <a:solidFill>
+                  <a:schemeClr val="accent1">
+                    <a:shade val="50000"/>
+                  </a:schemeClr>
+                </a:solidFill>
+                <a:prstDash val="solid"/>
+                <a:miter lim="800000"/>
+              </a14:hiddenLine>
+            </a:ext>
+          </a:extLst>
+        </p:spPr>
+        <p:style>
+          <a:lnRef idx="2">
+            <a:schemeClr val="accent1">
+              <a:shade val="50000"/>
+            </a:schemeClr>
+          </a:lnRef>
+          <a:fillRef idx="1">
+            <a:schemeClr val="accent1"/>
+          </a:fillRef>
+          <a:effectRef idx="0">
+            <a:schemeClr val="accent1"/>
+          </a:effectRef>
+          <a:fontRef idx="minor">
+            <a:schemeClr val="lt1"/>
+          </a:fontRef>
+        </p:style>
+        <p:txBody>
+          <a:bodyPr rtlCol="0" anchor="ctr"/>
+          <a:lstStyle/>
+          <a:p>
+            <a:pPr algn="ctr"/>
+            <a:endParaRPr lang="en-US"/>
+          </a:p>
+        </p:txBody>
+      </p:sp>
+      <p:sp>
+        <p:nvSpPr>
+          <p:cNvPr id="2" name="Title 1">
+            <a:extLst>
+              <a:ext uri="{FF2B5EF4-FFF2-40B4-BE49-F238E27FC236}">
+                <a16:creationId xmlns:a16="http://schemas.microsoft.com/office/drawing/2014/main" id="{53F0742C-10D7-4CA7-A110-B9A66956BA39}"/>
+              </a:ext>
+            </a:extLst>
+          </p:cNvPr>
+          <p:cNvSpPr>
+            <a:spLocks noGrp="1"/>
+          </p:cNvSpPr>
+          <p:nvPr>
+            <p:ph type="title"/>
+          </p:nvPr>
+        </p:nvSpPr>
+        <p:spPr>
+          <a:xfrm>
+            <a:off x="695325" y="914557"/>
+            <a:ext cx="10872665" cy="705780"/>
+          </a:xfrm>
+        </p:spPr>
+        <p:txBody>
+          <a:bodyPr vert="horz" lIns="91440" tIns="45720" rIns="91440" bIns="45720" rtlCol="0" anchor="t">
+            <a:normAutofit/>
+          </a:bodyPr>
+          <a:lstStyle/>
+          <a:p>
+            <a:r>
+              <a:rPr lang="en-US"/>
+              <a:t>Next talk: Linux Network Defence Evasion</a:t>
+            </a:r>
+          </a:p>
+        </p:txBody>
+      </p:sp>
+      <p:cxnSp>
+        <p:nvCxnSpPr>
+          <p:cNvPr id="77" name="Straight Connector 76">
+            <a:extLst>
+              <a:ext uri="{FF2B5EF4-FFF2-40B4-BE49-F238E27FC236}">
+                <a16:creationId xmlns:a16="http://schemas.microsoft.com/office/drawing/2014/main" id="{EE2E603F-4A95-4FE8-BB06-211DFD75DBEF}"/>
+              </a:ext>
+              <a:ext uri="{C183D7F6-B498-43B3-948B-1728B52AA6E4}">
+                <adec:decorative xmlns:adec="http://schemas.microsoft.com/office/drawing/2017/decorative" val="1"/>
+              </a:ext>
+            </a:extLst>
+          </p:cNvPr>
+          <p:cNvCxnSpPr>
+            <a:cxnSpLocks noGrp="1" noRot="1" noChangeAspect="1" noMove="1" noResize="1" noEditPoints="1" noAdjustHandles="1" noChangeArrowheads="1" noChangeShapeType="1"/>
+          </p:cNvCxnSpPr>
+          <p:nvPr>
+            <p:extLst>
+              <p:ext uri="{386F3935-93C4-4BCD-93E2-E3B085C9AB24}">
+                <p16:designElem xmlns:p16="http://schemas.microsoft.com/office/powerpoint/2015/main" val="1"/>
+              </p:ext>
+            </p:extLst>
+          </p:nvPr>
+        </p:nvCxnSpPr>
+        <p:spPr>
+          <a:xfrm>
+            <a:off x="800100" y="723900"/>
+            <a:ext cx="1638300" cy="0"/>
+          </a:xfrm>
+          <a:prstGeom prst="line">
+            <a:avLst/>
+          </a:prstGeom>
+          <a:ln w="44450">
+            <a:solidFill>
+              <a:schemeClr val="tx1"/>
+            </a:solidFill>
+          </a:ln>
+        </p:spPr>
+        <p:style>
+          <a:lnRef idx="1">
+            <a:schemeClr val="accent1"/>
+          </a:lnRef>
+          <a:fillRef idx="0">
+            <a:schemeClr val="accent1"/>
+          </a:fillRef>
+          <a:effectRef idx="0">
+            <a:schemeClr val="accent1"/>
+          </a:effectRef>
+          <a:fontRef idx="minor">
+            <a:schemeClr val="tx1"/>
+          </a:fontRef>
+        </p:style>
+      </p:cxnSp>
+      <p:pic>
+        <p:nvPicPr>
+          <p:cNvPr id="1026" name="Picture 2">
+            <a:extLst>
+              <a:ext uri="{FF2B5EF4-FFF2-40B4-BE49-F238E27FC236}">
+                <a16:creationId xmlns:a16="http://schemas.microsoft.com/office/drawing/2014/main" id="{23D3CB6D-35D5-4823-8E38-36670F534CDB}"/>
+              </a:ext>
+            </a:extLst>
+          </p:cNvPr>
+          <p:cNvPicPr>
+            <a:picLocks noChangeAspect="1" noChangeArrowheads="1"/>
+          </p:cNvPicPr>
+          <p:nvPr/>
+        </p:nvPicPr>
+        <p:blipFill>
+          <a:blip r:embed="rId3">
+            <a:extLst>
+              <a:ext uri="{28A0092B-C50C-407E-A947-70E740481C1C}">
+                <a14:useLocalDpi xmlns:a14="http://schemas.microsoft.com/office/drawing/2010/main" val="0"/>
+              </a:ext>
+            </a:extLst>
+          </a:blip>
+          <a:stretch>
+            <a:fillRect/>
+          </a:stretch>
+        </p:blipFill>
+        <p:spPr bwMode="auto">
+          <a:xfrm>
+            <a:off x="2810511" y="2292953"/>
+            <a:ext cx="6570978" cy="3860450"/>
+          </a:xfrm>
+          <a:prstGeom prst="rect">
+            <a:avLst/>
+          </a:prstGeom>
+          <a:noFill/>
+          <a:extLst>
+            <a:ext uri="{909E8E84-426E-40DD-AFC4-6F175D3DCCD1}">
+              <a14:hiddenFill xmlns:a14="http://schemas.microsoft.com/office/drawing/2010/main">
+                <a:solidFill>
+                  <a:srgbClr val="FFFFFF"/>
+                </a:solidFill>
+              </a14:hiddenFill>
+            </a:ext>
+          </a:extLst>
+        </p:spPr>
+      </p:pic>
+    </p:spTree>
+    <p:extLst>
+      <p:ext uri="{BB962C8B-B14F-4D97-AF65-F5344CB8AC3E}">
+        <p14:creationId xmlns:p14="http://schemas.microsoft.com/office/powerpoint/2010/main" val="1440274975"/>
+      </p:ext>
+    </p:extLst>
+  </p:cSld>
+  <p:clrMapOvr>
+    <a:masterClrMapping/>
+  </p:clrMapOvr>
+</p:sld>
+</file>
+
+<file path=ppt/slides/slide19.xml><?xml version="1.0" encoding="utf-8"?>
 <p:sld xmlns:a="http://schemas.openxmlformats.org/drawingml/2006/main" xmlns:r="http://schemas.openxmlformats.org/officeDocument/2006/relationships" xmlns:p="http://schemas.openxmlformats.org/presentationml/2006/main">
   <p:cSld>
     <p:spTree>
